--- a/doc/Hierarchical Neural Network - Poster.pptx
+++ b/doc/Hierarchical Neural Network - Poster.pptx
@@ -319,7 +319,7 @@
             <a:fld id="{5ACFD7B2-88A6-E34E-8EF8-CB0C7BA47ADD}" type="datetimeFigureOut">
               <a:rPr lang="en-US" smtClean="0"/>
               <a:pPr/>
-              <a:t>3/18/2019</a:t>
+              <a:t>3/19/2019</a:t>
             </a:fld>
             <a:endParaRPr lang="en-US"/>
           </a:p>
@@ -487,7 +487,7 @@
             <a:fld id="{ED7FC5FE-6F0D-D34A-8EE6-C95B4F5F4DC8}" type="datetimeFigureOut">
               <a:rPr lang="en-US" smtClean="0"/>
               <a:pPr/>
-              <a:t>3/18/2019</a:t>
+              <a:t>3/19/2019</a:t>
             </a:fld>
             <a:endParaRPr lang="en-US"/>
           </a:p>
@@ -2475,11 +2475,6 @@
               </a:rPr>
               <a:t>Overlap operation examples</a:t>
             </a:r>
-            <a:endParaRPr lang="en-US" sz="2800" b="0" dirty="0" smtClean="0">
-              <a:latin typeface="Intel Clear" panose="020B0604020203020204" pitchFamily="34" charset="0"/>
-              <a:ea typeface="Intel Clear" panose="020B0604020203020204" pitchFamily="34" charset="0"/>
-              <a:cs typeface="Intel Clear" panose="020B0604020203020204" pitchFamily="34" charset="0"/>
-            </a:endParaRPr>
           </a:p>
           <a:p>
             <a:pPr marL="857250" indent="-857250">
@@ -2583,11 +2578,6 @@
               </a:rPr>
               <a:t>Loss Function</a:t>
             </a:r>
-            <a:endParaRPr lang="en-US" sz="3200" b="1" dirty="0" smtClean="0">
-              <a:latin typeface="Intel Clear" panose="020B0604020203020204" pitchFamily="34" charset="0"/>
-              <a:ea typeface="Intel Clear" panose="020B0604020203020204" pitchFamily="34" charset="0"/>
-              <a:cs typeface="Intel Clear" panose="020B0604020203020204" pitchFamily="34" charset="0"/>
-            </a:endParaRPr>
           </a:p>
         </p:txBody>
       </p:sp>
@@ -2651,11 +2641,6 @@
               </a:rPr>
               <a:t>Implemented capsule network architecture with dynamic routing in tensorflow/ keras and trained with MNIST</a:t>
             </a:r>
-            <a:endParaRPr lang="en-US" sz="3200" b="1" dirty="0" smtClean="0">
-              <a:latin typeface="Intel Clear" panose="020B0604020203020204" pitchFamily="34" charset="0"/>
-              <a:ea typeface="Intel Clear" panose="020B0604020203020204" pitchFamily="34" charset="0"/>
-              <a:cs typeface="Intel Clear" panose="020B0604020203020204" pitchFamily="34" charset="0"/>
-            </a:endParaRPr>
           </a:p>
         </p:txBody>
       </p:sp>
@@ -4162,6 +4147,21 @@
 </file>
 
 <file path=customXml/item1.xml><?xml version="1.0" encoding="utf-8"?>
+<?mso-contentType ?>
+<FormTemplates xmlns="http://schemas.microsoft.com/sharepoint/v3/contenttype/forms">
+  <Display>DocumentLibraryForm</Display>
+  <Edit>DocumentLibraryForm</Edit>
+  <New>DocumentLibraryForm</New>
+</FormTemplates>
+</file>
+
+<file path=customXml/item2.xml><?xml version="1.0" encoding="utf-8"?>
+<p:properties xmlns:p="http://schemas.microsoft.com/office/2006/metadata/properties" xmlns:xsi="http://www.w3.org/2001/XMLSchema-instance" xmlns:pc="http://schemas.microsoft.com/office/infopath/2007/PartnerControls">
+  <documentManagement/>
+</p:properties>
+</file>
+
+<file path=customXml/item3.xml><?xml version="1.0" encoding="utf-8"?>
 <ct:contentTypeSchema xmlns:ct="http://schemas.microsoft.com/office/2006/metadata/contentType" xmlns:ma="http://schemas.microsoft.com/office/2006/metadata/properties/metaAttributes" ct:_="" ma:_="" ma:contentTypeName="Document" ma:contentTypeID="0x01010020D80DCCA7246B40B0816A5945AB47BD" ma:contentTypeVersion="0" ma:contentTypeDescription="Create a new document." ma:contentTypeScope="" ma:versionID="e5b61e78908fd8b1b53bbf422ef613fc">
   <xsd:schema xmlns:xsd="http://www.w3.org/2001/XMLSchema" xmlns:xs="http://www.w3.org/2001/XMLSchema" xmlns:p="http://schemas.microsoft.com/office/2006/metadata/properties" targetNamespace="http://schemas.microsoft.com/office/2006/metadata/properties" ma:root="true" ma:fieldsID="c64490b4aec6201516c3a874156f37b2">
     <xsd:element name="properties">
@@ -4275,33 +4275,10 @@
 </ct:contentTypeSchema>
 </file>
 
-<file path=customXml/item2.xml><?xml version="1.0" encoding="utf-8"?>
-<p:properties xmlns:p="http://schemas.microsoft.com/office/2006/metadata/properties" xmlns:xsi="http://www.w3.org/2001/XMLSchema-instance" xmlns:pc="http://schemas.microsoft.com/office/infopath/2007/PartnerControls">
-  <documentManagement/>
-</p:properties>
-</file>
-
-<file path=customXml/item3.xml><?xml version="1.0" encoding="utf-8"?>
-<?mso-contentType ?>
-<FormTemplates xmlns="http://schemas.microsoft.com/sharepoint/v3/contenttype/forms">
-  <Display>DocumentLibraryForm</Display>
-  <Edit>DocumentLibraryForm</Edit>
-  <New>DocumentLibraryForm</New>
-</FormTemplates>
-</file>
-
 <file path=customXml/itemProps1.xml><?xml version="1.0" encoding="utf-8"?>
-<ds:datastoreItem xmlns:ds="http://schemas.openxmlformats.org/officeDocument/2006/customXml" ds:itemID="{E121CBD5-9935-4DDA-A442-04A1CE379282}">
+<ds:datastoreItem xmlns:ds="http://schemas.openxmlformats.org/officeDocument/2006/customXml" ds:itemID="{8A3968A5-F8EE-465F-911B-6E90901438C9}">
   <ds:schemaRefs>
-    <ds:schemaRef ds:uri="http://schemas.microsoft.com/office/2006/metadata/contentType"/>
-    <ds:schemaRef ds:uri="http://schemas.microsoft.com/office/2006/metadata/properties/metaAttributes"/>
-    <ds:schemaRef ds:uri="http://www.w3.org/2001/XMLSchema"/>
-    <ds:schemaRef ds:uri="http://schemas.microsoft.com/office/2006/metadata/properties"/>
-    <ds:schemaRef ds:uri="http://schemas.openxmlformats.org/package/2006/metadata/core-properties"/>
-    <ds:schemaRef ds:uri="http://purl.org/dc/elements/1.1/"/>
-    <ds:schemaRef ds:uri="http://purl.org/dc/terms/"/>
-    <ds:schemaRef ds:uri="http://schemas.microsoft.com/internal/obd"/>
-    <ds:schemaRef ds:uri="http://schemas.microsoft.com/office/infopath/2007/PartnerControls"/>
+    <ds:schemaRef ds:uri="http://schemas.microsoft.com/sharepoint/v3/contenttype/forms"/>
   </ds:schemaRefs>
 </ds:datastoreItem>
 </file>
@@ -4322,9 +4299,17 @@
 </file>
 
 <file path=customXml/itemProps3.xml><?xml version="1.0" encoding="utf-8"?>
-<ds:datastoreItem xmlns:ds="http://schemas.openxmlformats.org/officeDocument/2006/customXml" ds:itemID="{8A3968A5-F8EE-465F-911B-6E90901438C9}">
+<ds:datastoreItem xmlns:ds="http://schemas.openxmlformats.org/officeDocument/2006/customXml" ds:itemID="{E121CBD5-9935-4DDA-A442-04A1CE379282}">
   <ds:schemaRefs>
-    <ds:schemaRef ds:uri="http://schemas.microsoft.com/sharepoint/v3/contenttype/forms"/>
+    <ds:schemaRef ds:uri="http://schemas.microsoft.com/office/2006/metadata/contentType"/>
+    <ds:schemaRef ds:uri="http://schemas.microsoft.com/office/2006/metadata/properties/metaAttributes"/>
+    <ds:schemaRef ds:uri="http://www.w3.org/2001/XMLSchema"/>
+    <ds:schemaRef ds:uri="http://schemas.microsoft.com/office/2006/metadata/properties"/>
+    <ds:schemaRef ds:uri="http://schemas.openxmlformats.org/package/2006/metadata/core-properties"/>
+    <ds:schemaRef ds:uri="http://purl.org/dc/elements/1.1/"/>
+    <ds:schemaRef ds:uri="http://purl.org/dc/terms/"/>
+    <ds:schemaRef ds:uri="http://schemas.microsoft.com/internal/obd"/>
+    <ds:schemaRef ds:uri="http://schemas.microsoft.com/office/infopath/2007/PartnerControls"/>
   </ds:schemaRefs>
 </ds:datastoreItem>
 </file>